--- a/其他/轮胎/tyre.pptx
+++ b/其他/轮胎/tyre.pptx
@@ -7,6 +7,7 @@
   <p:sldIdLst>
     <p:sldId id="256" r:id="rId2"/>
     <p:sldId id="257" r:id="rId3"/>
+    <p:sldId id="258" r:id="rId4"/>
   </p:sldIdLst>
   <p:sldSz cx="12192000" cy="6858000"/>
   <p:notesSz cx="6858000" cy="9144000"/>
@@ -105,6 +106,11 @@
       </a:defRPr>
     </a:lvl9pPr>
   </p:defaultTextStyle>
+  <p:extLst>
+    <p:ext uri="{EFAFB233-063F-42B5-8137-9DF3F51BA10A}">
+      <p15:sldGuideLst xmlns:p15="http://schemas.microsoft.com/office/powerpoint/2012/main"/>
+    </p:ext>
+  </p:extLst>
 </p:presentation>
 </file>
 
@@ -3186,10 +3192,899 @@
           </a:p>
         </p:txBody>
       </p:sp>
+      <p:sp>
+        <p:nvSpPr>
+          <p:cNvPr id="10" name="矩形 9"/>
+          <p:cNvSpPr/>
+          <p:nvPr/>
+        </p:nvSpPr>
+        <p:spPr>
+          <a:xfrm>
+            <a:off x="3440193" y="3016534"/>
+            <a:ext cx="1374094" cy="369332"/>
+          </a:xfrm>
+          <a:prstGeom prst="rect">
+            <a:avLst/>
+          </a:prstGeom>
+        </p:spPr>
+        <p:txBody>
+          <a:bodyPr wrap="none">
+            <a:spAutoFit/>
+          </a:bodyPr>
+          <a:lstStyle/>
+          <a:p>
+            <a:r>
+              <a:rPr lang="zh-CN" altLang="en-US" dirty="0" smtClean="0"/>
+              <a:t>轮胎高速值</a:t>
+            </a:r>
+            <a:endParaRPr lang="zh-CN" altLang="en-US" dirty="0"/>
+          </a:p>
+        </p:txBody>
+      </p:sp>
+      <p:sp>
+        <p:nvSpPr>
+          <p:cNvPr id="11" name="矩形 10"/>
+          <p:cNvSpPr/>
+          <p:nvPr/>
+        </p:nvSpPr>
+        <p:spPr>
+          <a:xfrm>
+            <a:off x="3446990" y="3385866"/>
+            <a:ext cx="2723823" cy="369332"/>
+          </a:xfrm>
+          <a:prstGeom prst="rect">
+            <a:avLst/>
+          </a:prstGeom>
+        </p:spPr>
+        <p:txBody>
+          <a:bodyPr wrap="none">
+            <a:spAutoFit/>
+          </a:bodyPr>
+          <a:lstStyle/>
+          <a:p>
+            <a:r>
+              <a:rPr lang="zh-CN" altLang="en-US" dirty="0" smtClean="0"/>
+              <a:t>轮胎的标号都是什么意思</a:t>
+            </a:r>
+            <a:endParaRPr lang="zh-CN" altLang="en-US" dirty="0"/>
+          </a:p>
+        </p:txBody>
+      </p:sp>
+      <p:sp>
+        <p:nvSpPr>
+          <p:cNvPr id="12" name="矩形 11"/>
+          <p:cNvSpPr/>
+          <p:nvPr/>
+        </p:nvSpPr>
+        <p:spPr>
+          <a:xfrm>
+            <a:off x="3410312" y="3755198"/>
+            <a:ext cx="2084225" cy="369332"/>
+          </a:xfrm>
+          <a:prstGeom prst="rect">
+            <a:avLst/>
+          </a:prstGeom>
+        </p:spPr>
+        <p:txBody>
+          <a:bodyPr wrap="none">
+            <a:spAutoFit/>
+          </a:bodyPr>
+          <a:lstStyle/>
+          <a:p>
+            <a:r>
+              <a:rPr lang="zh-CN" altLang="en-US" dirty="0" smtClean="0"/>
+              <a:t>轮胎品牌 怎么选择</a:t>
+            </a:r>
+            <a:endParaRPr lang="zh-CN" altLang="en-US" dirty="0"/>
+          </a:p>
+        </p:txBody>
+      </p:sp>
+      <p:sp>
+        <p:nvSpPr>
+          <p:cNvPr id="13" name="矩形 12"/>
+          <p:cNvSpPr/>
+          <p:nvPr/>
+        </p:nvSpPr>
+        <p:spPr>
+          <a:xfrm>
+            <a:off x="3446990" y="4124530"/>
+            <a:ext cx="1904689" cy="369332"/>
+          </a:xfrm>
+          <a:prstGeom prst="rect">
+            <a:avLst/>
+          </a:prstGeom>
+        </p:spPr>
+        <p:txBody>
+          <a:bodyPr wrap="none">
+            <a:spAutoFit/>
+          </a:bodyPr>
+          <a:lstStyle/>
+          <a:p>
+            <a:r>
+              <a:rPr lang="zh-CN" altLang="en-US" dirty="0" smtClean="0"/>
+              <a:t>噪音用米其林</a:t>
+            </a:r>
+            <a:r>
+              <a:rPr lang="en-US" altLang="zh-CN" dirty="0" smtClean="0"/>
+              <a:t>3st</a:t>
+            </a:r>
+            <a:endParaRPr lang="zh-CN" altLang="en-US" dirty="0"/>
+          </a:p>
+        </p:txBody>
+      </p:sp>
+      <p:sp>
+        <p:nvSpPr>
+          <p:cNvPr id="14" name="矩形 13"/>
+          <p:cNvSpPr/>
+          <p:nvPr/>
+        </p:nvSpPr>
+        <p:spPr>
+          <a:xfrm>
+            <a:off x="3483668" y="4493862"/>
+            <a:ext cx="1569660" cy="369332"/>
+          </a:xfrm>
+          <a:prstGeom prst="rect">
+            <a:avLst/>
+          </a:prstGeom>
+        </p:spPr>
+        <p:txBody>
+          <a:bodyPr wrap="none">
+            <a:spAutoFit/>
+          </a:bodyPr>
+          <a:lstStyle/>
+          <a:p>
+            <a:r>
+              <a:rPr lang="zh-CN" altLang="en-US" dirty="0" smtClean="0"/>
+              <a:t>如何过减速带</a:t>
+            </a:r>
+            <a:endParaRPr lang="zh-CN" altLang="en-US" dirty="0"/>
+          </a:p>
+        </p:txBody>
+      </p:sp>
+      <p:sp>
+        <p:nvSpPr>
+          <p:cNvPr id="16" name="矩形 15"/>
+          <p:cNvSpPr/>
+          <p:nvPr/>
+        </p:nvSpPr>
+        <p:spPr>
+          <a:xfrm>
+            <a:off x="3520346" y="4863194"/>
+            <a:ext cx="2031325" cy="369332"/>
+          </a:xfrm>
+          <a:prstGeom prst="rect">
+            <a:avLst/>
+          </a:prstGeom>
+        </p:spPr>
+        <p:txBody>
+          <a:bodyPr wrap="none">
+            <a:spAutoFit/>
+          </a:bodyPr>
+          <a:lstStyle/>
+          <a:p>
+            <a:r>
+              <a:rPr lang="zh-CN" altLang="en-US" dirty="0" smtClean="0"/>
+              <a:t>不同扁平比怎么选</a:t>
+            </a:r>
+            <a:endParaRPr lang="zh-CN" altLang="en-US" dirty="0"/>
+          </a:p>
+        </p:txBody>
+      </p:sp>
+      <p:sp>
+        <p:nvSpPr>
+          <p:cNvPr id="2" name="矩形 1"/>
+          <p:cNvSpPr/>
+          <p:nvPr/>
+        </p:nvSpPr>
+        <p:spPr>
+          <a:xfrm>
+            <a:off x="3470073" y="5232526"/>
+            <a:ext cx="1338828" cy="369332"/>
+          </a:xfrm>
+          <a:prstGeom prst="rect">
+            <a:avLst/>
+          </a:prstGeom>
+        </p:spPr>
+        <p:txBody>
+          <a:bodyPr wrap="none">
+            <a:spAutoFit/>
+          </a:bodyPr>
+          <a:lstStyle/>
+          <a:p>
+            <a:r>
+              <a:rPr lang="zh-CN" altLang="en-US" b="1" dirty="0">
+                <a:solidFill>
+                  <a:srgbClr val="333333"/>
+                </a:solidFill>
+                <a:latin typeface="Microsoft Yahei" panose="020B0503020204020204" pitchFamily="34" charset="-122"/>
+                <a:ea typeface="Microsoft Yahei" panose="020B0503020204020204" pitchFamily="34" charset="-122"/>
+              </a:rPr>
+              <a:t>轮胎的结构</a:t>
+            </a:r>
+            <a:endParaRPr lang="zh-CN" altLang="en-US" dirty="0"/>
+          </a:p>
+        </p:txBody>
+      </p:sp>
+      <p:sp>
+        <p:nvSpPr>
+          <p:cNvPr id="17" name="矩形 16"/>
+          <p:cNvSpPr/>
+          <p:nvPr/>
+        </p:nvSpPr>
+        <p:spPr>
+          <a:xfrm>
+            <a:off x="3483668" y="5601858"/>
+            <a:ext cx="1338828" cy="369332"/>
+          </a:xfrm>
+          <a:prstGeom prst="rect">
+            <a:avLst/>
+          </a:prstGeom>
+        </p:spPr>
+        <p:txBody>
+          <a:bodyPr wrap="none">
+            <a:spAutoFit/>
+          </a:bodyPr>
+          <a:lstStyle/>
+          <a:p>
+            <a:r>
+              <a:rPr lang="zh-CN" altLang="en-US" b="1" dirty="0">
+                <a:solidFill>
+                  <a:srgbClr val="333333"/>
+                </a:solidFill>
+                <a:latin typeface="Microsoft Yahei" panose="020B0503020204020204" pitchFamily="34" charset="-122"/>
+                <a:ea typeface="Microsoft Yahei" panose="020B0503020204020204" pitchFamily="34" charset="-122"/>
+              </a:rPr>
+              <a:t>轮胎</a:t>
+            </a:r>
+            <a:r>
+              <a:rPr lang="zh-CN" altLang="en-US" b="1" dirty="0" smtClean="0">
+                <a:solidFill>
+                  <a:srgbClr val="333333"/>
+                </a:solidFill>
+                <a:latin typeface="Microsoft Yahei" panose="020B0503020204020204" pitchFamily="34" charset="-122"/>
+                <a:ea typeface="Microsoft Yahei" panose="020B0503020204020204" pitchFamily="34" charset="-122"/>
+              </a:rPr>
+              <a:t>的</a:t>
+            </a:r>
+            <a:r>
+              <a:rPr lang="zh-CN" altLang="en-US" b="1" dirty="0">
+                <a:solidFill>
+                  <a:srgbClr val="333333"/>
+                </a:solidFill>
+                <a:latin typeface="Microsoft Yahei" panose="020B0503020204020204" pitchFamily="34" charset="-122"/>
+                <a:ea typeface="Microsoft Yahei" panose="020B0503020204020204" pitchFamily="34" charset="-122"/>
+              </a:rPr>
+              <a:t>历史</a:t>
+            </a:r>
+            <a:endParaRPr lang="zh-CN" altLang="en-US" dirty="0"/>
+          </a:p>
+        </p:txBody>
+      </p:sp>
     </p:spTree>
     <p:extLst>
       <p:ext uri="{BB962C8B-B14F-4D97-AF65-F5344CB8AC3E}">
         <p14:creationId xmlns:p14="http://schemas.microsoft.com/office/powerpoint/2010/main" val="3956923317"/>
+      </p:ext>
+    </p:extLst>
+  </p:cSld>
+  <p:clrMapOvr>
+    <a:masterClrMapping/>
+  </p:clrMapOvr>
+</p:sld>
+</file>
+
+<file path=ppt/slides/slide3.xml><?xml version="1.0" encoding="utf-8"?>
+<p:sld xmlns:a="http://schemas.openxmlformats.org/drawingml/2006/main" xmlns:r="http://schemas.openxmlformats.org/officeDocument/2006/relationships" xmlns:p="http://schemas.openxmlformats.org/presentationml/2006/main">
+  <p:cSld>
+    <p:spTree>
+      <p:nvGrpSpPr>
+        <p:cNvPr id="1" name=""/>
+        <p:cNvGrpSpPr/>
+        <p:nvPr/>
+      </p:nvGrpSpPr>
+      <p:grpSpPr>
+        <a:xfrm>
+          <a:off x="0" y="0"/>
+          <a:ext cx="0" cy="0"/>
+          <a:chOff x="0" y="0"/>
+          <a:chExt cx="0" cy="0"/>
+        </a:xfrm>
+      </p:grpSpPr>
+      <p:sp>
+        <p:nvSpPr>
+          <p:cNvPr id="3" name="矩形 2"/>
+          <p:cNvSpPr/>
+          <p:nvPr/>
+        </p:nvSpPr>
+        <p:spPr>
+          <a:xfrm>
+            <a:off x="1309680" y="446543"/>
+            <a:ext cx="3185487" cy="369332"/>
+          </a:xfrm>
+          <a:prstGeom prst="rect">
+            <a:avLst/>
+          </a:prstGeom>
+        </p:spPr>
+        <p:txBody>
+          <a:bodyPr wrap="none">
+            <a:spAutoFit/>
+          </a:bodyPr>
+          <a:lstStyle/>
+          <a:p>
+            <a:r>
+              <a:rPr lang="zh-CN" altLang="en-US" b="1" dirty="0">
+                <a:solidFill>
+                  <a:srgbClr val="007ADF"/>
+                </a:solidFill>
+                <a:latin typeface="Microsoft Yahei" panose="020B0503020204020204" pitchFamily="34" charset="-122"/>
+                <a:ea typeface="Microsoft Yahei" panose="020B0503020204020204" pitchFamily="34" charset="-122"/>
+              </a:rPr>
+              <a:t>轮胎为什么容易出现鼓包爆裂</a:t>
+            </a:r>
+            <a:endParaRPr lang="zh-CN" altLang="en-US" dirty="0"/>
+          </a:p>
+        </p:txBody>
+      </p:sp>
+      <p:sp>
+        <p:nvSpPr>
+          <p:cNvPr id="4" name="矩形 3"/>
+          <p:cNvSpPr/>
+          <p:nvPr/>
+        </p:nvSpPr>
+        <p:spPr>
+          <a:xfrm>
+            <a:off x="1613070" y="978806"/>
+            <a:ext cx="3097323" cy="369332"/>
+          </a:xfrm>
+          <a:prstGeom prst="rect">
+            <a:avLst/>
+          </a:prstGeom>
+        </p:spPr>
+        <p:txBody>
+          <a:bodyPr wrap="none">
+            <a:spAutoFit/>
+          </a:bodyPr>
+          <a:lstStyle/>
+          <a:p>
+            <a:r>
+              <a:rPr lang="en-US" altLang="zh-CN" b="1" dirty="0">
+                <a:solidFill>
+                  <a:srgbClr val="333333"/>
+                </a:solidFill>
+                <a:latin typeface="Microsoft Yahei" panose="020B0503020204020204" pitchFamily="34" charset="-122"/>
+                <a:ea typeface="Microsoft Yahei" panose="020B0503020204020204" pitchFamily="34" charset="-122"/>
+              </a:rPr>
+              <a:t>1</a:t>
+            </a:r>
+            <a:r>
+              <a:rPr lang="zh-CN" altLang="en-US" b="1" dirty="0">
+                <a:solidFill>
+                  <a:srgbClr val="333333"/>
+                </a:solidFill>
+                <a:latin typeface="Microsoft Yahei" panose="020B0503020204020204" pitchFamily="34" charset="-122"/>
+                <a:ea typeface="Microsoft Yahei" panose="020B0503020204020204" pitchFamily="34" charset="-122"/>
+              </a:rPr>
+              <a:t>、过坑时没注意避让或减速</a:t>
+            </a:r>
+            <a:endParaRPr lang="zh-CN" altLang="en-US" dirty="0"/>
+          </a:p>
+        </p:txBody>
+      </p:sp>
+      <p:sp>
+        <p:nvSpPr>
+          <p:cNvPr id="15" name="矩形 14"/>
+          <p:cNvSpPr/>
+          <p:nvPr/>
+        </p:nvSpPr>
+        <p:spPr>
+          <a:xfrm>
+            <a:off x="1613070" y="1661194"/>
+            <a:ext cx="2173993" cy="369332"/>
+          </a:xfrm>
+          <a:prstGeom prst="rect">
+            <a:avLst/>
+          </a:prstGeom>
+        </p:spPr>
+        <p:txBody>
+          <a:bodyPr wrap="none">
+            <a:spAutoFit/>
+          </a:bodyPr>
+          <a:lstStyle/>
+          <a:p>
+            <a:r>
+              <a:rPr lang="en-US" altLang="zh-CN" b="1" dirty="0">
+                <a:solidFill>
+                  <a:srgbClr val="333333"/>
+                </a:solidFill>
+                <a:latin typeface="Microsoft Yahei" panose="020B0503020204020204" pitchFamily="34" charset="-122"/>
+                <a:ea typeface="Microsoft Yahei" panose="020B0503020204020204" pitchFamily="34" charset="-122"/>
+              </a:rPr>
+              <a:t>2</a:t>
+            </a:r>
+            <a:r>
+              <a:rPr lang="zh-CN" altLang="en-US" b="1" dirty="0">
+                <a:solidFill>
+                  <a:srgbClr val="333333"/>
+                </a:solidFill>
+                <a:latin typeface="Microsoft Yahei" panose="020B0503020204020204" pitchFamily="34" charset="-122"/>
+                <a:ea typeface="Microsoft Yahei" panose="020B0503020204020204" pitchFamily="34" charset="-122"/>
+              </a:rPr>
+              <a:t>、轮胎</a:t>
+            </a:r>
+            <a:r>
+              <a:rPr lang="zh-CN" altLang="en-US" b="1" dirty="0">
+                <a:solidFill>
+                  <a:srgbClr val="333333"/>
+                </a:solidFill>
+                <a:latin typeface="Microsoft Yahei" panose="020B0503020204020204" pitchFamily="34" charset="-122"/>
+                <a:ea typeface="Microsoft Yahei" panose="020B0503020204020204" pitchFamily="34" charset="-122"/>
+                <a:hlinkClick r:id="rId2"/>
+              </a:rPr>
+              <a:t>扁平比</a:t>
+            </a:r>
+            <a:r>
+              <a:rPr lang="zh-CN" altLang="en-US" b="1" dirty="0">
+                <a:solidFill>
+                  <a:srgbClr val="333333"/>
+                </a:solidFill>
+                <a:latin typeface="Microsoft Yahei" panose="020B0503020204020204" pitchFamily="34" charset="-122"/>
+                <a:ea typeface="Microsoft Yahei" panose="020B0503020204020204" pitchFamily="34" charset="-122"/>
+              </a:rPr>
+              <a:t>太小</a:t>
+            </a:r>
+            <a:endParaRPr lang="zh-CN" altLang="en-US" dirty="0"/>
+          </a:p>
+        </p:txBody>
+      </p:sp>
+      <p:sp>
+        <p:nvSpPr>
+          <p:cNvPr id="16" name="矩形 15"/>
+          <p:cNvSpPr/>
+          <p:nvPr/>
+        </p:nvSpPr>
+        <p:spPr>
+          <a:xfrm>
+            <a:off x="1613070" y="2343582"/>
+            <a:ext cx="2052165" cy="369332"/>
+          </a:xfrm>
+          <a:prstGeom prst="rect">
+            <a:avLst/>
+          </a:prstGeom>
+        </p:spPr>
+        <p:txBody>
+          <a:bodyPr wrap="none">
+            <a:spAutoFit/>
+          </a:bodyPr>
+          <a:lstStyle/>
+          <a:p>
+            <a:r>
+              <a:rPr lang="en-US" altLang="zh-CN" b="1" dirty="0">
+                <a:solidFill>
+                  <a:srgbClr val="333333"/>
+                </a:solidFill>
+                <a:latin typeface="Microsoft Yahei" panose="020B0503020204020204" pitchFamily="34" charset="-122"/>
+                <a:ea typeface="Microsoft Yahei" panose="020B0503020204020204" pitchFamily="34" charset="-122"/>
+              </a:rPr>
+              <a:t>3</a:t>
+            </a:r>
+            <a:r>
+              <a:rPr lang="zh-CN" altLang="en-US" b="1" dirty="0">
+                <a:solidFill>
+                  <a:srgbClr val="333333"/>
+                </a:solidFill>
+                <a:latin typeface="Microsoft Yahei" panose="020B0503020204020204" pitchFamily="34" charset="-122"/>
+                <a:ea typeface="Microsoft Yahei" panose="020B0503020204020204" pitchFamily="34" charset="-122"/>
+              </a:rPr>
+              <a:t>、胎压过高</a:t>
+            </a:r>
+            <a:r>
+              <a:rPr lang="en-US" altLang="zh-CN" b="1" dirty="0">
+                <a:solidFill>
+                  <a:srgbClr val="333333"/>
+                </a:solidFill>
+                <a:latin typeface="Microsoft Yahei" panose="020B0503020204020204" pitchFamily="34" charset="-122"/>
+                <a:ea typeface="Microsoft Yahei" panose="020B0503020204020204" pitchFamily="34" charset="-122"/>
+              </a:rPr>
+              <a:t>/</a:t>
+            </a:r>
+            <a:r>
+              <a:rPr lang="zh-CN" altLang="en-US" b="1" dirty="0">
+                <a:solidFill>
+                  <a:srgbClr val="333333"/>
+                </a:solidFill>
+                <a:latin typeface="Microsoft Yahei" panose="020B0503020204020204" pitchFamily="34" charset="-122"/>
+                <a:ea typeface="Microsoft Yahei" panose="020B0503020204020204" pitchFamily="34" charset="-122"/>
+              </a:rPr>
+              <a:t>过低</a:t>
+            </a:r>
+            <a:endParaRPr lang="zh-CN" altLang="en-US" dirty="0"/>
+          </a:p>
+        </p:txBody>
+      </p:sp>
+      <p:sp>
+        <p:nvSpPr>
+          <p:cNvPr id="17" name="矩形 16"/>
+          <p:cNvSpPr/>
+          <p:nvPr/>
+        </p:nvSpPr>
+        <p:spPr>
+          <a:xfrm>
+            <a:off x="1613069" y="3025970"/>
+            <a:ext cx="2173993" cy="369332"/>
+          </a:xfrm>
+          <a:prstGeom prst="rect">
+            <a:avLst/>
+          </a:prstGeom>
+        </p:spPr>
+        <p:txBody>
+          <a:bodyPr wrap="none">
+            <a:spAutoFit/>
+          </a:bodyPr>
+          <a:lstStyle/>
+          <a:p>
+            <a:r>
+              <a:rPr lang="en-US" altLang="zh-CN" b="1" dirty="0">
+                <a:solidFill>
+                  <a:srgbClr val="333333"/>
+                </a:solidFill>
+                <a:latin typeface="Microsoft Yahei" panose="020B0503020204020204" pitchFamily="34" charset="-122"/>
+                <a:ea typeface="Microsoft Yahei" panose="020B0503020204020204" pitchFamily="34" charset="-122"/>
+              </a:rPr>
+              <a:t>4</a:t>
+            </a:r>
+            <a:r>
+              <a:rPr lang="zh-CN" altLang="en-US" b="1" dirty="0">
+                <a:solidFill>
+                  <a:srgbClr val="333333"/>
+                </a:solidFill>
+                <a:latin typeface="Microsoft Yahei" panose="020B0503020204020204" pitchFamily="34" charset="-122"/>
+                <a:ea typeface="Microsoft Yahei" panose="020B0503020204020204" pitchFamily="34" charset="-122"/>
+              </a:rPr>
+              <a:t>、经常压马路牙子</a:t>
+            </a:r>
+            <a:endParaRPr lang="zh-CN" altLang="en-US" dirty="0"/>
+          </a:p>
+        </p:txBody>
+      </p:sp>
+      <p:sp>
+        <p:nvSpPr>
+          <p:cNvPr id="18" name="矩形 17"/>
+          <p:cNvSpPr/>
+          <p:nvPr/>
+        </p:nvSpPr>
+        <p:spPr>
+          <a:xfrm>
+            <a:off x="1338153" y="3708358"/>
+            <a:ext cx="2723823" cy="369332"/>
+          </a:xfrm>
+          <a:prstGeom prst="rect">
+            <a:avLst/>
+          </a:prstGeom>
+        </p:spPr>
+        <p:txBody>
+          <a:bodyPr wrap="none">
+            <a:spAutoFit/>
+          </a:bodyPr>
+          <a:lstStyle/>
+          <a:p>
+            <a:r>
+              <a:rPr lang="zh-CN" altLang="en-US" b="1" dirty="0">
+                <a:solidFill>
+                  <a:srgbClr val="007ADF"/>
+                </a:solidFill>
+                <a:latin typeface="Microsoft Yahei" panose="020B0503020204020204" pitchFamily="34" charset="-122"/>
+                <a:ea typeface="Microsoft Yahei" panose="020B0503020204020204" pitchFamily="34" charset="-122"/>
+              </a:rPr>
+              <a:t>如何避免轮胎鼓包或爆裂</a:t>
+            </a:r>
+            <a:endParaRPr lang="zh-CN" altLang="en-US" dirty="0"/>
+          </a:p>
+        </p:txBody>
+      </p:sp>
+      <p:sp>
+        <p:nvSpPr>
+          <p:cNvPr id="19" name="矩形 18"/>
+          <p:cNvSpPr/>
+          <p:nvPr/>
+        </p:nvSpPr>
+        <p:spPr>
+          <a:xfrm>
+            <a:off x="1613069" y="4206080"/>
+            <a:ext cx="3558988" cy="369332"/>
+          </a:xfrm>
+          <a:prstGeom prst="rect">
+            <a:avLst/>
+          </a:prstGeom>
+        </p:spPr>
+        <p:txBody>
+          <a:bodyPr wrap="none">
+            <a:spAutoFit/>
+          </a:bodyPr>
+          <a:lstStyle/>
+          <a:p>
+            <a:r>
+              <a:rPr lang="en-US" altLang="zh-CN" b="1" dirty="0">
+                <a:solidFill>
+                  <a:srgbClr val="333333"/>
+                </a:solidFill>
+                <a:latin typeface="Microsoft Yahei" panose="020B0503020204020204" pitchFamily="34" charset="-122"/>
+                <a:ea typeface="Microsoft Yahei" panose="020B0503020204020204" pitchFamily="34" charset="-122"/>
+              </a:rPr>
+              <a:t>1</a:t>
+            </a:r>
+            <a:r>
+              <a:rPr lang="zh-CN" altLang="en-US" b="1" dirty="0">
+                <a:solidFill>
+                  <a:srgbClr val="333333"/>
+                </a:solidFill>
+                <a:latin typeface="Microsoft Yahei" panose="020B0503020204020204" pitchFamily="34" charset="-122"/>
+                <a:ea typeface="Microsoft Yahei" panose="020B0503020204020204" pitchFamily="34" charset="-122"/>
+              </a:rPr>
+              <a:t>、在路况差的路面降低速度行驶</a:t>
+            </a:r>
+            <a:endParaRPr lang="zh-CN" altLang="en-US" dirty="0"/>
+          </a:p>
+        </p:txBody>
+      </p:sp>
+      <p:sp>
+        <p:nvSpPr>
+          <p:cNvPr id="20" name="矩形 19"/>
+          <p:cNvSpPr/>
+          <p:nvPr/>
+        </p:nvSpPr>
+        <p:spPr>
+          <a:xfrm>
+            <a:off x="1613069" y="4768208"/>
+            <a:ext cx="2404826" cy="369332"/>
+          </a:xfrm>
+          <a:prstGeom prst="rect">
+            <a:avLst/>
+          </a:prstGeom>
+        </p:spPr>
+        <p:txBody>
+          <a:bodyPr wrap="none">
+            <a:spAutoFit/>
+          </a:bodyPr>
+          <a:lstStyle/>
+          <a:p>
+            <a:r>
+              <a:rPr lang="en-US" altLang="zh-CN" b="1" dirty="0">
+                <a:solidFill>
+                  <a:srgbClr val="333333"/>
+                </a:solidFill>
+                <a:latin typeface="Microsoft Yahei" panose="020B0503020204020204" pitchFamily="34" charset="-122"/>
+                <a:ea typeface="Microsoft Yahei" panose="020B0503020204020204" pitchFamily="34" charset="-122"/>
+              </a:rPr>
+              <a:t>2</a:t>
+            </a:r>
+            <a:r>
+              <a:rPr lang="zh-CN" altLang="en-US" b="1" dirty="0">
+                <a:solidFill>
+                  <a:srgbClr val="333333"/>
+                </a:solidFill>
+                <a:latin typeface="Microsoft Yahei" panose="020B0503020204020204" pitchFamily="34" charset="-122"/>
+                <a:ea typeface="Microsoft Yahei" panose="020B0503020204020204" pitchFamily="34" charset="-122"/>
+              </a:rPr>
+              <a:t>、经常注意检查轮胎</a:t>
+            </a:r>
+            <a:endParaRPr lang="zh-CN" altLang="en-US" dirty="0"/>
+          </a:p>
+        </p:txBody>
+      </p:sp>
+      <p:sp>
+        <p:nvSpPr>
+          <p:cNvPr id="21" name="矩形 20"/>
+          <p:cNvSpPr/>
+          <p:nvPr/>
+        </p:nvSpPr>
+        <p:spPr>
+          <a:xfrm>
+            <a:off x="1613069" y="5386190"/>
+            <a:ext cx="3097323" cy="369332"/>
+          </a:xfrm>
+          <a:prstGeom prst="rect">
+            <a:avLst/>
+          </a:prstGeom>
+        </p:spPr>
+        <p:txBody>
+          <a:bodyPr wrap="none">
+            <a:spAutoFit/>
+          </a:bodyPr>
+          <a:lstStyle/>
+          <a:p>
+            <a:r>
+              <a:rPr lang="en-US" altLang="zh-CN" b="1" dirty="0">
+                <a:solidFill>
+                  <a:srgbClr val="333333"/>
+                </a:solidFill>
+                <a:latin typeface="Microsoft Yahei" panose="020B0503020204020204" pitchFamily="34" charset="-122"/>
+                <a:ea typeface="Microsoft Yahei" panose="020B0503020204020204" pitchFamily="34" charset="-122"/>
+              </a:rPr>
+              <a:t>3</a:t>
+            </a:r>
+            <a:r>
+              <a:rPr lang="zh-CN" altLang="en-US" b="1" dirty="0">
+                <a:solidFill>
+                  <a:srgbClr val="333333"/>
+                </a:solidFill>
+                <a:latin typeface="Microsoft Yahei" panose="020B0503020204020204" pitchFamily="34" charset="-122"/>
+                <a:ea typeface="Microsoft Yahei" panose="020B0503020204020204" pitchFamily="34" charset="-122"/>
+              </a:rPr>
+              <a:t>、不要以为</a:t>
+            </a:r>
+            <a:r>
+              <a:rPr lang="zh-CN" altLang="en-US" b="1" dirty="0">
+                <a:solidFill>
+                  <a:srgbClr val="333333"/>
+                </a:solidFill>
+                <a:latin typeface="Microsoft Yahei" panose="020B0503020204020204" pitchFamily="34" charset="-122"/>
+                <a:ea typeface="Microsoft Yahei" panose="020B0503020204020204" pitchFamily="34" charset="-122"/>
+                <a:hlinkClick r:id="rId3"/>
+              </a:rPr>
+              <a:t>防爆胎</a:t>
+            </a:r>
+            <a:r>
+              <a:rPr lang="zh-CN" altLang="en-US" b="1" dirty="0">
+                <a:solidFill>
+                  <a:srgbClr val="333333"/>
+                </a:solidFill>
+                <a:latin typeface="Microsoft Yahei" panose="020B0503020204020204" pitchFamily="34" charset="-122"/>
+                <a:ea typeface="Microsoft Yahei" panose="020B0503020204020204" pitchFamily="34" charset="-122"/>
+              </a:rPr>
+              <a:t>就是万能</a:t>
+            </a:r>
+            <a:endParaRPr lang="zh-CN" altLang="en-US" dirty="0"/>
+          </a:p>
+        </p:txBody>
+      </p:sp>
+      <p:sp>
+        <p:nvSpPr>
+          <p:cNvPr id="22" name="矩形 21"/>
+          <p:cNvSpPr/>
+          <p:nvPr/>
+        </p:nvSpPr>
+        <p:spPr>
+          <a:xfrm>
+            <a:off x="1584594" y="6196968"/>
+            <a:ext cx="2635658" cy="369332"/>
+          </a:xfrm>
+          <a:prstGeom prst="rect">
+            <a:avLst/>
+          </a:prstGeom>
+        </p:spPr>
+        <p:txBody>
+          <a:bodyPr wrap="none">
+            <a:spAutoFit/>
+          </a:bodyPr>
+          <a:lstStyle/>
+          <a:p>
+            <a:r>
+              <a:rPr lang="en-US" altLang="zh-CN" b="1" dirty="0">
+                <a:solidFill>
+                  <a:srgbClr val="333333"/>
+                </a:solidFill>
+                <a:latin typeface="Microsoft Yahei" panose="020B0503020204020204" pitchFamily="34" charset="-122"/>
+                <a:ea typeface="Microsoft Yahei" panose="020B0503020204020204" pitchFamily="34" charset="-122"/>
+              </a:rPr>
+              <a:t>4</a:t>
+            </a:r>
+            <a:r>
+              <a:rPr lang="zh-CN" altLang="en-US" b="1" dirty="0">
+                <a:solidFill>
+                  <a:srgbClr val="333333"/>
+                </a:solidFill>
+                <a:latin typeface="Microsoft Yahei" panose="020B0503020204020204" pitchFamily="34" charset="-122"/>
+                <a:ea typeface="Microsoft Yahei" panose="020B0503020204020204" pitchFamily="34" charset="-122"/>
+              </a:rPr>
+              <a:t>、压马路牙子时要谨慎</a:t>
+            </a:r>
+            <a:endParaRPr lang="zh-CN" altLang="en-US" dirty="0"/>
+          </a:p>
+        </p:txBody>
+      </p:sp>
+      <p:sp>
+        <p:nvSpPr>
+          <p:cNvPr id="23" name="矩形 22"/>
+          <p:cNvSpPr/>
+          <p:nvPr/>
+        </p:nvSpPr>
+        <p:spPr>
+          <a:xfrm>
+            <a:off x="5049227" y="449955"/>
+            <a:ext cx="5778441" cy="369332"/>
+          </a:xfrm>
+          <a:prstGeom prst="rect">
+            <a:avLst/>
+          </a:prstGeom>
+        </p:spPr>
+        <p:txBody>
+          <a:bodyPr wrap="none">
+            <a:spAutoFit/>
+          </a:bodyPr>
+          <a:lstStyle/>
+          <a:p>
+            <a:r>
+              <a:rPr lang="zh-CN" altLang="en-US" dirty="0"/>
+              <a:t>http://www.pcauto.com.cn/drivers/1161/11611675_1.html</a:t>
+            </a:r>
+          </a:p>
+        </p:txBody>
+      </p:sp>
+      <p:sp>
+        <p:nvSpPr>
+          <p:cNvPr id="24" name="矩形 23"/>
+          <p:cNvSpPr/>
+          <p:nvPr/>
+        </p:nvSpPr>
+        <p:spPr>
+          <a:xfrm>
+            <a:off x="7938447" y="1476528"/>
+            <a:ext cx="2262158" cy="369332"/>
+          </a:xfrm>
+          <a:prstGeom prst="rect">
+            <a:avLst/>
+          </a:prstGeom>
+        </p:spPr>
+        <p:txBody>
+          <a:bodyPr wrap="none">
+            <a:spAutoFit/>
+          </a:bodyPr>
+          <a:lstStyle/>
+          <a:p>
+            <a:pPr algn="ctr"/>
+            <a:r>
+              <a:rPr lang="zh-CN" altLang="en-US" dirty="0">
+                <a:solidFill>
+                  <a:srgbClr val="000000"/>
+                </a:solidFill>
+                <a:latin typeface="Microsoft Yahei" panose="020B0503020204020204" pitchFamily="34" charset="-122"/>
+                <a:ea typeface="Microsoft Yahei" panose="020B0503020204020204" pitchFamily="34" charset="-122"/>
+              </a:rPr>
+              <a:t>轮胎鼓包了该怎么办</a:t>
+            </a:r>
+            <a:endParaRPr lang="zh-CN" altLang="en-US" b="0" i="0" dirty="0">
+              <a:solidFill>
+                <a:srgbClr val="000000"/>
+              </a:solidFill>
+              <a:effectLst/>
+              <a:latin typeface="Microsoft Yahei" panose="020B0503020204020204" pitchFamily="34" charset="-122"/>
+              <a:ea typeface="Microsoft Yahei" panose="020B0503020204020204" pitchFamily="34" charset="-122"/>
+            </a:endParaRPr>
+          </a:p>
+        </p:txBody>
+      </p:sp>
+      <p:sp>
+        <p:nvSpPr>
+          <p:cNvPr id="25" name="矩形 24"/>
+          <p:cNvSpPr/>
+          <p:nvPr/>
+        </p:nvSpPr>
+        <p:spPr>
+          <a:xfrm>
+            <a:off x="5882965" y="1974250"/>
+            <a:ext cx="5311967" cy="369332"/>
+          </a:xfrm>
+          <a:prstGeom prst="rect">
+            <a:avLst/>
+          </a:prstGeom>
+        </p:spPr>
+        <p:txBody>
+          <a:bodyPr wrap="none">
+            <a:spAutoFit/>
+          </a:bodyPr>
+          <a:lstStyle/>
+          <a:p>
+            <a:r>
+              <a:rPr lang="zh-CN" altLang="en-US" dirty="0"/>
+              <a:t>http://www.pcauto.com.cn/drivers/940/9407033.html</a:t>
+            </a:r>
+          </a:p>
+        </p:txBody>
+      </p:sp>
+    </p:spTree>
+    <p:extLst>
+      <p:ext uri="{BB962C8B-B14F-4D97-AF65-F5344CB8AC3E}">
+        <p14:creationId xmlns:p14="http://schemas.microsoft.com/office/powerpoint/2010/main" val="57013556"/>
       </p:ext>
     </p:extLst>
   </p:cSld>

--- a/其他/轮胎/tyre.pptx
+++ b/其他/轮胎/tyre.pptx
@@ -6,8 +6,9 @@
   </p:sldMasterIdLst>
   <p:sldIdLst>
     <p:sldId id="256" r:id="rId2"/>
-    <p:sldId id="257" r:id="rId3"/>
-    <p:sldId id="258" r:id="rId4"/>
+    <p:sldId id="259" r:id="rId3"/>
+    <p:sldId id="257" r:id="rId4"/>
+    <p:sldId id="258" r:id="rId5"/>
   </p:sldIdLst>
   <p:sldSz cx="12192000" cy="6858000"/>
   <p:notesSz cx="6858000" cy="9144000"/>
@@ -3045,6 +3046,59 @@
       </p:grpSpPr>
       <p:sp>
         <p:nvSpPr>
+          <p:cNvPr id="2" name="标题 1"/>
+          <p:cNvSpPr>
+            <a:spLocks noGrp="1"/>
+          </p:cNvSpPr>
+          <p:nvPr>
+            <p:ph type="ctrTitle"/>
+          </p:nvPr>
+        </p:nvSpPr>
+        <p:spPr/>
+        <p:txBody>
+          <a:bodyPr/>
+          <a:lstStyle/>
+          <a:p>
+            <a:r>
+              <a:rPr lang="zh-CN" altLang="en-US"/>
+              <a:t>轮毂</a:t>
+            </a:r>
+            <a:endParaRPr lang="zh-CN" altLang="en-US" dirty="0"/>
+          </a:p>
+        </p:txBody>
+      </p:sp>
+    </p:spTree>
+    <p:extLst>
+      <p:ext uri="{BB962C8B-B14F-4D97-AF65-F5344CB8AC3E}">
+        <p14:creationId xmlns:p14="http://schemas.microsoft.com/office/powerpoint/2010/main" val="3040322890"/>
+      </p:ext>
+    </p:extLst>
+  </p:cSld>
+  <p:clrMapOvr>
+    <a:masterClrMapping/>
+  </p:clrMapOvr>
+</p:sld>
+</file>
+
+<file path=ppt/slides/slide3.xml><?xml version="1.0" encoding="utf-8"?>
+<p:sld xmlns:a="http://schemas.openxmlformats.org/drawingml/2006/main" xmlns:r="http://schemas.openxmlformats.org/officeDocument/2006/relationships" xmlns:p="http://schemas.openxmlformats.org/presentationml/2006/main">
+  <p:cSld>
+    <p:spTree>
+      <p:nvGrpSpPr>
+        <p:cNvPr id="1" name=""/>
+        <p:cNvGrpSpPr/>
+        <p:nvPr/>
+      </p:nvGrpSpPr>
+      <p:grpSpPr>
+        <a:xfrm>
+          <a:off x="0" y="0"/>
+          <a:ext cx="0" cy="0"/>
+          <a:chOff x="0" y="0"/>
+          <a:chExt cx="0" cy="0"/>
+        </a:xfrm>
+      </p:grpSpPr>
+      <p:sp>
+        <p:nvSpPr>
           <p:cNvPr id="5" name="矩形 4"/>
           <p:cNvSpPr/>
           <p:nvPr/>
@@ -3473,7 +3527,7 @@
 </p:sld>
 </file>
 
-<file path=ppt/slides/slide3.xml><?xml version="1.0" encoding="utf-8"?>
+<file path=ppt/slides/slide4.xml><?xml version="1.0" encoding="utf-8"?>
 <p:sld xmlns:a="http://schemas.openxmlformats.org/drawingml/2006/main" xmlns:r="http://schemas.openxmlformats.org/officeDocument/2006/relationships" xmlns:p="http://schemas.openxmlformats.org/presentationml/2006/main">
   <p:cSld>
     <p:spTree>

--- a/其他/轮胎/tyre.pptx
+++ b/其他/轮胎/tyre.pptx
@@ -3060,7 +3060,7 @@
           <a:lstStyle/>
           <a:p>
             <a:r>
-              <a:rPr lang="zh-CN" altLang="en-US"/>
+              <a:rPr lang="zh-CN" altLang="en-US" dirty="0"/>
               <a:t>轮毂</a:t>
             </a:r>
             <a:endParaRPr lang="zh-CN" altLang="en-US" dirty="0"/>
